--- a/music moves/Tomatoes (TOM)/ger/apprentice/ger_TOM_13_Spiele_mit_der_Zeit_MM_A.pptx
+++ b/music moves/Tomatoes (TOM)/ger/apprentice/ger_TOM_13_Spiele_mit_der_Zeit_MM_A.pptx
@@ -1613,7 +1613,7 @@
         <p:spPr/>
         <p:txBody>
           <a:bodyPr>
-            <a:normAutofit/>
+            <a:normAutofit lnSpcReduction="10000"/>
           </a:bodyPr>
           <a:lstStyle/>
           <a:p>
@@ -1686,6 +1686,17 @@
             <a:r>
               <a:rPr lang="de-DE" sz="1100" dirty="0" smtClean="0"/>
               <a:t>Tomaten-Regeln wären:</a:t>
+            </a:r>
+          </a:p>
+          <a:p>
+            <a:pPr lvl="1">
+              <a:spcBef>
+                <a:spcPts val="800"/>
+              </a:spcBef>
+            </a:pPr>
+            <a:r>
+              <a:rPr lang="de-DE" sz="1100" dirty="0" smtClean="0"/>
+              <a:t>5 min Tomate, 1min Pause</a:t>
             </a:r>
             <a:endParaRPr lang="de-DE" sz="1100" dirty="0"/>
           </a:p>

--- a/music moves/Tomatoes (TOM)/ger/apprentice/ger_TOM_13_Spiele_mit_der_Zeit_MM_A.pptx
+++ b/music moves/Tomatoes (TOM)/ger/apprentice/ger_TOM_13_Spiele_mit_der_Zeit_MM_A.pptx
@@ -716,7 +716,7 @@
           <a:p>
             <a:fld id="{FF5B2BAF-DF38-0A48-A798-0C06E514FD52}" type="datetimeFigureOut">
               <a:rPr lang="de-DE" smtClean="0"/>
-              <a:t>12.08.15</a:t>
+              <a:t>14.08.15</a:t>
             </a:fld>
             <a:endParaRPr lang="de-DE" dirty="0"/>
           </a:p>
@@ -931,7 +931,7 @@
           <a:p>
             <a:fld id="{FF5B2BAF-DF38-0A48-A798-0C06E514FD52}" type="datetimeFigureOut">
               <a:rPr lang="de-DE" smtClean="0"/>
-              <a:t>12.08.15</a:t>
+              <a:t>14.08.15</a:t>
             </a:fld>
             <a:endParaRPr lang="de-DE" dirty="0"/>
           </a:p>
@@ -1613,149 +1613,154 @@
         <p:spPr/>
         <p:txBody>
           <a:bodyPr>
-            <a:normAutofit lnSpcReduction="10000"/>
+            <a:normAutofit/>
           </a:bodyPr>
           <a:lstStyle/>
           <a:p>
-            <a:pPr lvl="0">
-              <a:spcBef>
-                <a:spcPts val="800"/>
-              </a:spcBef>
+            <a:pPr>
+              <a:lnSpc>
+                <a:spcPct val="120000"/>
+              </a:lnSpc>
             </a:pPr>
             <a:r>
               <a:rPr lang="de-DE" sz="1100" dirty="0"/>
-              <a:t>Die Regeln der Tomatentechnik sind ein Vorschlag und sollen Dir Deine Arbeit erleichtern. Genauso wie die ursprünglichen Regeln, können andere auch gut für Dich sein.</a:t>
-            </a:r>
-          </a:p>
-          <a:p>
-            <a:pPr lvl="0">
-              <a:spcBef>
-                <a:spcPts val="800"/>
-              </a:spcBef>
+              <a:t>Eine Tomatenlänge von 25 min ist lediglich ein Vorschlag. Auch andere Tomatenlängen können in verschiedenen Situationen gut funktionieren</a:t>
+            </a:r>
+            <a:r>
+              <a:rPr lang="de-DE" sz="1100" dirty="0" smtClean="0"/>
+              <a:t>.</a:t>
+            </a:r>
+            <a:endParaRPr lang="de-DE" sz="1100" dirty="0"/>
+          </a:p>
+          <a:p>
+            <a:pPr>
+              <a:lnSpc>
+                <a:spcPct val="120000"/>
+              </a:lnSpc>
             </a:pPr>
             <a:r>
               <a:rPr lang="de-DE" sz="1100" dirty="0"/>
-              <a:t>Um herauszufinden, was in welcher Situation passt, musst Du Verschiedenes ausprobieren.</a:t>
-            </a:r>
-          </a:p>
-          <a:p>
-            <a:pPr lvl="0">
-              <a:spcBef>
-                <a:spcPts val="800"/>
-              </a:spcBef>
+              <a:t>Um herauszufinden, was in welcher Situation passt, kannst Du unterschiedliche Tomatenlängen ausprobieren</a:t>
+            </a:r>
+            <a:r>
+              <a:rPr lang="de-DE" sz="1100" dirty="0" smtClean="0"/>
+              <a:t>.</a:t>
+            </a:r>
+            <a:endParaRPr lang="de-DE" sz="1100" dirty="0"/>
+          </a:p>
+          <a:p>
+            <a:pPr>
+              <a:lnSpc>
+                <a:spcPct val="120000"/>
+              </a:lnSpc>
             </a:pPr>
             <a:r>
               <a:rPr lang="de-DE" sz="1100" dirty="0"/>
-              <a:t>Wenn Du mit Spielregeln experimentierst ist es wichtig, </a:t>
+              <a:t>Wenn Du mit den </a:t>
             </a:r>
             <a:r>
               <a:rPr lang="de-DE" sz="1100" dirty="0" smtClean="0"/>
-              <a:t>Klarheit </a:t>
+              <a:t>Tomatenlängen </a:t>
             </a:r>
             <a:r>
               <a:rPr lang="de-DE" sz="1100" dirty="0"/>
-              <a:t>beizubehalten, indem Du Dich vor Beginn der Tomate für eine exakte Regel </a:t>
+              <a:t>experimentierst, ist es wichtig, Klarheit beizubehalten. Du kannst Dich sonst schnell in Beliebigkeit verlieren. </a:t>
+            </a:r>
+          </a:p>
+          <a:p>
+            <a:pPr>
+              <a:lnSpc>
+                <a:spcPct val="120000"/>
+              </a:lnSpc>
+            </a:pPr>
+            <a:r>
+              <a:rPr lang="de-DE" sz="1100" dirty="0"/>
+              <a:t>Vor Beginn der Tomate legst Du fest, wie lange sie sein soll. </a:t>
             </a:r>
             <a:r>
               <a:rPr lang="de-DE" sz="1100" dirty="0" smtClean="0"/>
-              <a:t>entscheidest und Deine Regeln auch einmal eine längere Phase lang nicht änderst. </a:t>
-            </a:r>
-          </a:p>
-          <a:p>
-            <a:pPr lvl="0">
-              <a:spcBef>
-                <a:spcPts val="800"/>
-              </a:spcBef>
+              <a:t>Die Länge </a:t>
+            </a:r>
+            <a:r>
+              <a:rPr lang="de-DE" sz="1100" dirty="0"/>
+              <a:t>über mehrere Tomaten konstant zu halten, hilft Dir ein Gefühl </a:t>
+            </a:r>
+            <a:r>
+              <a:rPr lang="de-DE" sz="1100" dirty="0" smtClean="0"/>
+              <a:t>dafür </a:t>
+            </a:r>
+            <a:r>
+              <a:rPr lang="de-DE" sz="1100" dirty="0"/>
+              <a:t>zu </a:t>
+            </a:r>
+            <a:r>
+              <a:rPr lang="de-DE" sz="1100" dirty="0" smtClean="0"/>
+              <a:t>entwickeln.</a:t>
+            </a:r>
+            <a:endParaRPr lang="de-DE" sz="1100" dirty="0"/>
+          </a:p>
+          <a:p>
+            <a:pPr>
+              <a:lnSpc>
+                <a:spcPct val="120000"/>
+              </a:lnSpc>
             </a:pPr>
             <a:r>
+              <a:rPr lang="de-DE" sz="1100" dirty="0"/>
+              <a:t>Ideen für Tomaten wären:</a:t>
+            </a:r>
+          </a:p>
+          <a:p>
+            <a:pPr lvl="1">
+              <a:lnSpc>
+                <a:spcPct val="120000"/>
+              </a:lnSpc>
+            </a:pPr>
+            <a:r>
+              <a:rPr lang="de-DE" sz="1100" dirty="0"/>
+              <a:t>5 min </a:t>
+            </a:r>
+            <a:r>
               <a:rPr lang="de-DE" sz="1100" dirty="0" smtClean="0"/>
-              <a:t>Wenn du zu schnell die Regeln änderst oder zu schnell zwischen verschiedenen Regeln hin und her springst kann eine solide Wahrnehmung ausbleiben.</a:t>
-            </a:r>
-            <a:endParaRPr lang="de-DE" sz="1100" dirty="0"/>
-          </a:p>
-          <a:p>
-            <a:pPr lvl="0">
-              <a:spcBef>
-                <a:spcPts val="800"/>
-              </a:spcBef>
+              <a:t>Tomate</a:t>
+            </a:r>
+          </a:p>
+          <a:p>
+            <a:pPr lvl="1">
+              <a:lnSpc>
+                <a:spcPct val="120000"/>
+              </a:lnSpc>
             </a:pPr>
             <a:r>
+              <a:rPr lang="de-DE" sz="1100" dirty="0" smtClean="0"/>
+              <a:t>15 </a:t>
+            </a:r>
+            <a:r>
               <a:rPr lang="de-DE" sz="1100" dirty="0"/>
-              <a:t>Ideen für </a:t>
-            </a:r>
-            <a:r>
-              <a:rPr lang="de-DE" sz="1100" dirty="0" smtClean="0"/>
-              <a:t>Tomaten-Regeln wären:</a:t>
+              <a:t>min Tomate</a:t>
             </a:r>
           </a:p>
           <a:p>
             <a:pPr lvl="1">
-              <a:spcBef>
-                <a:spcPts val="800"/>
-              </a:spcBef>
+              <a:lnSpc>
+                <a:spcPct val="120000"/>
+              </a:lnSpc>
             </a:pPr>
             <a:r>
-              <a:rPr lang="de-DE" sz="1100" dirty="0" smtClean="0"/>
-              <a:t>5 min Tomate, 1min Pause</a:t>
-            </a:r>
-            <a:endParaRPr lang="de-DE" sz="1100" dirty="0"/>
+              <a:rPr lang="de-DE" sz="1100" dirty="0"/>
+              <a:t>20 min Tomate</a:t>
+            </a:r>
           </a:p>
           <a:p>
             <a:pPr lvl="1">
-              <a:spcBef>
-                <a:spcPts val="300"/>
-              </a:spcBef>
+              <a:lnSpc>
+                <a:spcPct val="120000"/>
+              </a:lnSpc>
             </a:pPr>
             <a:r>
               <a:rPr lang="de-DE" sz="1100" dirty="0"/>
-              <a:t>15 min Tomate, 3 min Pause</a:t>
-            </a:r>
-          </a:p>
-          <a:p>
-            <a:pPr lvl="1">
-              <a:spcBef>
-                <a:spcPts val="300"/>
-              </a:spcBef>
-            </a:pPr>
-            <a:r>
-              <a:rPr lang="de-DE" sz="1100" dirty="0"/>
-              <a:t>20 min Tomate, 5 min Pause</a:t>
-            </a:r>
-          </a:p>
-          <a:p>
-            <a:pPr lvl="1">
-              <a:spcBef>
-                <a:spcPts val="300"/>
-              </a:spcBef>
-            </a:pPr>
-            <a:r>
-              <a:rPr lang="de-DE" sz="1100" dirty="0"/>
-              <a:t>45 min Tomate, 10 min Pause</a:t>
-            </a:r>
-          </a:p>
-          <a:p>
-            <a:pPr lvl="1">
-              <a:spcBef>
-                <a:spcPts val="300"/>
-              </a:spcBef>
-            </a:pPr>
-            <a:r>
-              <a:rPr lang="de-DE" sz="1100" dirty="0"/>
-              <a:t>Wenn Du früher fertig bist, beginnst Du früher mit der Pause.</a:t>
-            </a:r>
-          </a:p>
-          <a:p>
-            <a:pPr lvl="1">
-              <a:spcBef>
-                <a:spcPts val="300"/>
-              </a:spcBef>
-            </a:pPr>
-            <a:r>
-              <a:rPr lang="de-DE" sz="1100" dirty="0"/>
-              <a:t>Wenn Du länger brauchst überziehst Du ein wenig.</a:t>
-            </a:r>
-          </a:p>
-          <a:p>
+              <a:t>45 min Tomate</a:t>
+            </a:r>
             <a:endParaRPr lang="de-DE" dirty="0"/>
           </a:p>
         </p:txBody>
@@ -1803,65 +1808,47 @@
         <p:spPr/>
         <p:txBody>
           <a:bodyPr>
-            <a:normAutofit fontScale="92500"/>
+            <a:normAutofit/>
           </a:bodyPr>
           <a:lstStyle/>
           <a:p>
             <a:r>
-              <a:rPr lang="de-DE" sz="1200" dirty="0" smtClean="0"/>
-              <a:t>Trainiere </a:t>
-            </a:r>
-            <a:r>
-              <a:rPr lang="de-DE" sz="1200" dirty="0"/>
-              <a:t>in </a:t>
-            </a:r>
-            <a:r>
-              <a:rPr lang="de-DE" sz="1200" dirty="0" smtClean="0"/>
-              <a:t>zwei </a:t>
-            </a:r>
-            <a:r>
-              <a:rPr lang="de-DE" sz="1200" dirty="0"/>
-              <a:t>Wochen </a:t>
-            </a:r>
-            <a:r>
-              <a:rPr lang="de-DE" sz="1200" dirty="0" smtClean="0"/>
-              <a:t>drei Phasen, in denen Du Deine Tomaten-Regeln änderst.</a:t>
-            </a:r>
-          </a:p>
-          <a:p>
-            <a:r>
-              <a:rPr lang="de-DE" sz="1200" dirty="0" smtClean="0"/>
-              <a:t>Jede Phase sollte über 2 - 4 Tagen gehen, an denen Du Tomaten machst.</a:t>
-            </a:r>
-            <a:endParaRPr lang="de-DE" sz="1200" dirty="0"/>
-          </a:p>
-          <a:p>
-            <a:r>
-              <a:rPr lang="de-DE" sz="1200" dirty="0" smtClean="0"/>
-              <a:t>Mache mindestens </a:t>
-            </a:r>
-            <a:r>
-              <a:rPr lang="de-DE" sz="1200" dirty="0"/>
-              <a:t> </a:t>
-            </a:r>
-            <a:r>
-              <a:rPr lang="de-DE" sz="1200" dirty="0" smtClean="0"/>
-              <a:t>3 x 3, also 9 Tomaten.</a:t>
-            </a:r>
-            <a:endParaRPr lang="de-DE" sz="1200" dirty="0"/>
-          </a:p>
-          <a:p>
-            <a:r>
-              <a:rPr lang="de-DE" sz="1200" dirty="0" smtClean="0"/>
-              <a:t>Dokumentiere jede </a:t>
-            </a:r>
-            <a:r>
-              <a:rPr lang="de-DE" sz="1200" dirty="0"/>
-              <a:t>T</a:t>
-            </a:r>
-            <a:r>
-              <a:rPr lang="de-DE" sz="1200" dirty="0" smtClean="0"/>
-              <a:t>omate und notiere auch Antworten auf folgende Wahrnehmungsfragen zu Deinen neuen, vielleicht auch selbst erfundenen Tomaten-Regeln:</a:t>
+              <a:rPr lang="de-DE" sz="1100" dirty="0"/>
+              <a:t>Trainiere in 2 Wochen 3 Phasen, in denen Du Deine Tomatenlängen änderst.</a:t>
+            </a:r>
+          </a:p>
+          <a:p>
+            <a:r>
+              <a:rPr lang="de-DE" sz="1100" dirty="0"/>
+              <a:t>Jede Phase sollte über 2 - </a:t>
+            </a:r>
+            <a:r>
+              <a:rPr lang="de-DE" sz="1100"/>
+              <a:t>4 </a:t>
+            </a:r>
+            <a:r>
+              <a:rPr lang="de-DE" sz="1100" smtClean="0"/>
+              <a:t>Tage </a:t>
+            </a:r>
+            <a:r>
+              <a:rPr lang="de-DE" sz="1100" dirty="0"/>
+              <a:t>gehen, an denen Du Tomaten machst. Innerhalb dieser Zeit änderst Du die Tomatenlänge nicht.</a:t>
+            </a:r>
+          </a:p>
+          <a:p>
+            <a:r>
+              <a:rPr lang="de-DE" sz="1100" dirty="0"/>
+              <a:t>Mache mindestens  3 x 3, also 9 Tomaten.</a:t>
+            </a:r>
+          </a:p>
+          <a:p>
+            <a:r>
+              <a:rPr lang="de-DE" sz="1100" dirty="0"/>
+              <a:t>Dokumentiere jede Tomate und notiere auch Antworten auf folgende </a:t>
+            </a:r>
+            <a:r>
+              <a:rPr lang="de-DE" sz="1100" dirty="0" smtClean="0"/>
+              <a:t>Wahrnehmungsfragen:</a:t>
             </a:r>
           </a:p>
           <a:p>
@@ -1870,9 +1857,10 @@
               <a:buChar char="§"/>
             </a:pPr>
             <a:r>
-              <a:rPr lang="de-DE" sz="1200" dirty="0"/>
-              <a:t>Welche Regel tut mir gut? </a:t>
-            </a:r>
+              <a:rPr lang="de-DE" sz="1200" dirty="0" smtClean="0"/>
+              <a:t>Was tut mir gut?</a:t>
+            </a:r>
+            <a:endParaRPr lang="de-DE" sz="1200" dirty="0"/>
           </a:p>
           <a:p>
             <a:pPr marL="539816" lvl="1" indent="-171450">
@@ -1880,8 +1868,8 @@
               <a:buChar char="§"/>
             </a:pPr>
             <a:r>
-              <a:rPr lang="de-DE" sz="1200" dirty="0"/>
-              <a:t>Halte ich meine Regeln ein? </a:t>
+              <a:rPr lang="de-DE" sz="1200" dirty="0" smtClean="0"/>
+              <a:t>Halte ich meine Tomatenlängen ein? </a:t>
             </a:r>
           </a:p>
           <a:p>
@@ -1890,7 +1878,7 @@
               <a:buChar char="§"/>
             </a:pPr>
             <a:r>
-              <a:rPr lang="de-DE" sz="1200" dirty="0"/>
+              <a:rPr lang="de-DE" sz="1200" dirty="0" smtClean="0"/>
               <a:t>Reißt meine Konzentration während der Tomate ab? </a:t>
             </a:r>
           </a:p>
@@ -1900,7 +1888,7 @@
               <a:buChar char="§"/>
             </a:pPr>
             <a:r>
-              <a:rPr lang="de-DE" sz="1200" dirty="0"/>
+              <a:rPr lang="de-DE" sz="1200" dirty="0" smtClean="0"/>
               <a:t>Bräuchte ich längere oder kürzere Tomaten? Warum? </a:t>
             </a:r>
           </a:p>

--- a/music moves/Tomatoes (TOM)/ger/apprentice/ger_TOM_13_Spiele_mit_der_Zeit_MM_A.pptx
+++ b/music moves/Tomatoes (TOM)/ger/apprentice/ger_TOM_13_Spiele_mit_der_Zeit_MM_A.pptx
@@ -1808,7 +1808,7 @@
         <p:spPr/>
         <p:txBody>
           <a:bodyPr>
-            <a:normAutofit/>
+            <a:normAutofit lnSpcReduction="10000"/>
           </a:bodyPr>
           <a:lstStyle/>
           <a:p>
@@ -1820,14 +1820,10 @@
           <a:p>
             <a:r>
               <a:rPr lang="de-DE" sz="1100" dirty="0"/>
-              <a:t>Jede Phase sollte über 2 - </a:t>
-            </a:r>
-            <a:r>
-              <a:rPr lang="de-DE" sz="1100"/>
-              <a:t>4 </a:t>
-            </a:r>
-            <a:r>
-              <a:rPr lang="de-DE" sz="1100" smtClean="0"/>
+              <a:t>Jede Phase sollte über 2 - 4 </a:t>
+            </a:r>
+            <a:r>
+              <a:rPr lang="de-DE" sz="1100" dirty="0" smtClean="0"/>
               <a:t>Tage </a:t>
             </a:r>
             <a:r>
@@ -1838,13 +1834,37 @@
           <a:p>
             <a:r>
               <a:rPr lang="de-DE" sz="1100" dirty="0"/>
-              <a:t>Mache mindestens  3 x 3, also 9 Tomaten.</a:t>
-            </a:r>
-          </a:p>
-          <a:p>
+              <a:t>Mache in einer </a:t>
+            </a:r>
+            <a:r>
+              <a:rPr lang="de-DE" sz="1100"/>
+              <a:t>Phase </a:t>
+            </a:r>
+            <a:r>
+              <a:rPr lang="de-DE" sz="1100" smtClean="0"/>
+              <a:t>mindestens</a:t>
+            </a:r>
             <a:r>
               <a:rPr lang="de-DE" sz="1100" dirty="0"/>
-              <a:t>Dokumentiere jede Tomate und notiere auch Antworten auf folgende </a:t>
+              <a:t> 3 Tomaten mit gleicher Länge, also insgesamt 9 </a:t>
+            </a:r>
+            <a:r>
+              <a:rPr lang="de-DE" sz="1100"/>
+              <a:t>Tomaten</a:t>
+            </a:r>
+            <a:r>
+              <a:rPr lang="de-DE" sz="1100" smtClean="0"/>
+              <a:t>.</a:t>
+            </a:r>
+          </a:p>
+          <a:p>
+            <a:r>
+              <a:rPr lang="de-DE" sz="1100" dirty="0" smtClean="0"/>
+              <a:t>Dokumentiere </a:t>
+            </a:r>
+            <a:r>
+              <a:rPr lang="de-DE" sz="1100" dirty="0"/>
+              <a:t>jede Tomate und notiere auch Antworten auf folgende </a:t>
             </a:r>
             <a:r>
               <a:rPr lang="de-DE" sz="1100" dirty="0" smtClean="0"/>

--- a/music moves/Tomatoes (TOM)/ger/apprentice/ger_TOM_13_Spiele_mit_der_Zeit_MM_A.pptx
+++ b/music moves/Tomatoes (TOM)/ger/apprentice/ger_TOM_13_Spiele_mit_der_Zeit_MM_A.pptx
@@ -1624,7 +1624,23 @@
             </a:pPr>
             <a:r>
               <a:rPr lang="de-DE" sz="1100" dirty="0"/>
-              <a:t>Eine Tomatenlänge von 25 min ist lediglich ein Vorschlag. Auch andere Tomatenlängen können in verschiedenen Situationen gut funktionieren</a:t>
+              <a:t>Eine </a:t>
+            </a:r>
+            <a:r>
+              <a:rPr lang="de-DE" sz="1100" dirty="0" smtClean="0"/>
+              <a:t>Tomatenlänge</a:t>
+            </a:r>
+            <a:r>
+              <a:rPr lang="de-DE" sz="1100" baseline="30000" dirty="0" smtClean="0"/>
+              <a:t>1</a:t>
+            </a:r>
+            <a:r>
+              <a:rPr lang="de-DE" sz="1100" dirty="0" smtClean="0"/>
+              <a:t> </a:t>
+            </a:r>
+            <a:r>
+              <a:rPr lang="de-DE" sz="1100" dirty="0"/>
+              <a:t>von 25 min ist lediglich ein Vorschlag. Auch andere Tomatenlängen können in verschiedenen Situationen gut funktionieren</a:t>
             </a:r>
             <a:r>
               <a:rPr lang="de-DE" sz="1100" dirty="0" smtClean="0"/>
@@ -1762,6 +1778,161 @@
               <a:t>45 min Tomate</a:t>
             </a:r>
             <a:endParaRPr lang="de-DE" dirty="0"/>
+          </a:p>
+        </p:txBody>
+      </p:sp>
+      <p:sp>
+        <p:nvSpPr>
+          <p:cNvPr id="5" name="Fußzeilenplatzhalter 19"/>
+          <p:cNvSpPr txBox="1">
+            <a:spLocks/>
+          </p:cNvSpPr>
+          <p:nvPr/>
+        </p:nvSpPr>
+        <p:spPr>
+          <a:xfrm>
+            <a:off x="5086569" y="4776480"/>
+            <a:ext cx="1775894" cy="283817"/>
+          </a:xfrm>
+          <a:prstGeom prst="rect">
+            <a:avLst/>
+          </a:prstGeom>
+        </p:spPr>
+        <p:txBody>
+          <a:bodyPr/>
+          <a:lstStyle>
+            <a:defPPr>
+              <a:defRPr lang="de-DE"/>
+            </a:defPPr>
+            <a:lvl1pPr marL="0" algn="l" defTabSz="403388" rtl="0" eaLnBrk="1" latinLnBrk="0" hangingPunct="1">
+              <a:defRPr sz="1600" kern="1200">
+                <a:solidFill>
+                  <a:schemeClr val="tx1"/>
+                </a:solidFill>
+                <a:latin typeface="+mn-lt"/>
+                <a:ea typeface="+mn-ea"/>
+                <a:cs typeface="+mn-cs"/>
+              </a:defRPr>
+            </a:lvl1pPr>
+            <a:lvl2pPr marL="403388" algn="l" defTabSz="403388" rtl="0" eaLnBrk="1" latinLnBrk="0" hangingPunct="1">
+              <a:defRPr sz="1600" kern="1200">
+                <a:solidFill>
+                  <a:schemeClr val="tx1"/>
+                </a:solidFill>
+                <a:latin typeface="+mn-lt"/>
+                <a:ea typeface="+mn-ea"/>
+                <a:cs typeface="+mn-cs"/>
+              </a:defRPr>
+            </a:lvl2pPr>
+            <a:lvl3pPr marL="806775" algn="l" defTabSz="403388" rtl="0" eaLnBrk="1" latinLnBrk="0" hangingPunct="1">
+              <a:defRPr sz="1600" kern="1200">
+                <a:solidFill>
+                  <a:schemeClr val="tx1"/>
+                </a:solidFill>
+                <a:latin typeface="+mn-lt"/>
+                <a:ea typeface="+mn-ea"/>
+                <a:cs typeface="+mn-cs"/>
+              </a:defRPr>
+            </a:lvl3pPr>
+            <a:lvl4pPr marL="1210163" algn="l" defTabSz="403388" rtl="0" eaLnBrk="1" latinLnBrk="0" hangingPunct="1">
+              <a:defRPr sz="1600" kern="1200">
+                <a:solidFill>
+                  <a:schemeClr val="tx1"/>
+                </a:solidFill>
+                <a:latin typeface="+mn-lt"/>
+                <a:ea typeface="+mn-ea"/>
+                <a:cs typeface="+mn-cs"/>
+              </a:defRPr>
+            </a:lvl4pPr>
+            <a:lvl5pPr marL="1613550" algn="l" defTabSz="403388" rtl="0" eaLnBrk="1" latinLnBrk="0" hangingPunct="1">
+              <a:defRPr sz="1600" kern="1200">
+                <a:solidFill>
+                  <a:schemeClr val="tx1"/>
+                </a:solidFill>
+                <a:latin typeface="+mn-lt"/>
+                <a:ea typeface="+mn-ea"/>
+                <a:cs typeface="+mn-cs"/>
+              </a:defRPr>
+            </a:lvl5pPr>
+            <a:lvl6pPr marL="2016938" algn="l" defTabSz="403388" rtl="0" eaLnBrk="1" latinLnBrk="0" hangingPunct="1">
+              <a:defRPr sz="1600" kern="1200">
+                <a:solidFill>
+                  <a:schemeClr val="tx1"/>
+                </a:solidFill>
+                <a:latin typeface="+mn-lt"/>
+                <a:ea typeface="+mn-ea"/>
+                <a:cs typeface="+mn-cs"/>
+              </a:defRPr>
+            </a:lvl6pPr>
+            <a:lvl7pPr marL="2420325" algn="l" defTabSz="403388" rtl="0" eaLnBrk="1" latinLnBrk="0" hangingPunct="1">
+              <a:defRPr sz="1600" kern="1200">
+                <a:solidFill>
+                  <a:schemeClr val="tx1"/>
+                </a:solidFill>
+                <a:latin typeface="+mn-lt"/>
+                <a:ea typeface="+mn-ea"/>
+                <a:cs typeface="+mn-cs"/>
+              </a:defRPr>
+            </a:lvl7pPr>
+            <a:lvl8pPr marL="2823713" algn="l" defTabSz="403388" rtl="0" eaLnBrk="1" latinLnBrk="0" hangingPunct="1">
+              <a:defRPr sz="1600" kern="1200">
+                <a:solidFill>
+                  <a:schemeClr val="tx1"/>
+                </a:solidFill>
+                <a:latin typeface="+mn-lt"/>
+                <a:ea typeface="+mn-ea"/>
+                <a:cs typeface="+mn-cs"/>
+              </a:defRPr>
+            </a:lvl8pPr>
+            <a:lvl9pPr marL="3227100" algn="l" defTabSz="403388" rtl="0" eaLnBrk="1" latinLnBrk="0" hangingPunct="1">
+              <a:defRPr sz="1600" kern="1200">
+                <a:solidFill>
+                  <a:schemeClr val="tx1"/>
+                </a:solidFill>
+                <a:latin typeface="+mn-lt"/>
+                <a:ea typeface="+mn-ea"/>
+                <a:cs typeface="+mn-cs"/>
+              </a:defRPr>
+            </a:lvl9pPr>
+          </a:lstStyle>
+          <a:p>
+            <a:r>
+              <a:rPr lang="de-DE" sz="900" baseline="30000" dirty="0" smtClean="0">
+                <a:solidFill>
+                  <a:schemeClr val="bg1">
+                    <a:lumMod val="65000"/>
+                  </a:schemeClr>
+                </a:solidFill>
+              </a:rPr>
+              <a:t>1</a:t>
+            </a:r>
+            <a:r>
+              <a:rPr lang="de-DE" sz="900" dirty="0" smtClean="0">
+                <a:solidFill>
+                  <a:schemeClr val="bg1">
+                    <a:lumMod val="65000"/>
+                  </a:schemeClr>
+                </a:solidFill>
+              </a:rPr>
+              <a:t>  </a:t>
+            </a:r>
+            <a:r>
+              <a:rPr lang="de-DE" sz="900" dirty="0" err="1" smtClean="0">
+                <a:solidFill>
+                  <a:schemeClr val="bg1">
+                    <a:lumMod val="65000"/>
+                  </a:schemeClr>
+                </a:solidFill>
+              </a:rPr>
+              <a:t>www.pomodorotechnique.com</a:t>
+            </a:r>
+            <a:endParaRPr lang="de-DE" sz="900" dirty="0">
+              <a:solidFill>
+                <a:schemeClr val="bg1">
+                  <a:lumMod val="65000"/>
+                </a:schemeClr>
+              </a:solidFill>
+            </a:endParaRPr>
           </a:p>
         </p:txBody>
       </p:sp>
@@ -1834,26 +2005,18 @@
           <a:p>
             <a:r>
               <a:rPr lang="de-DE" sz="1100" dirty="0"/>
-              <a:t>Mache in einer </a:t>
-            </a:r>
-            <a:r>
-              <a:rPr lang="de-DE" sz="1100"/>
-              <a:t>Phase </a:t>
-            </a:r>
-            <a:r>
-              <a:rPr lang="de-DE" sz="1100" smtClean="0"/>
+              <a:t>Mache in einer Phase </a:t>
+            </a:r>
+            <a:r>
+              <a:rPr lang="de-DE" sz="1100" dirty="0" smtClean="0"/>
               <a:t>mindestens</a:t>
             </a:r>
             <a:r>
               <a:rPr lang="de-DE" sz="1100" dirty="0"/>
-              <a:t> 3 Tomaten mit gleicher Länge, also insgesamt 9 </a:t>
-            </a:r>
-            <a:r>
-              <a:rPr lang="de-DE" sz="1100"/>
-              <a:t>Tomaten</a:t>
-            </a:r>
-            <a:r>
-              <a:rPr lang="de-DE" sz="1100" smtClean="0"/>
+              <a:t> 3 Tomaten mit gleicher Länge, also insgesamt 9 Tomaten</a:t>
+            </a:r>
+            <a:r>
+              <a:rPr lang="de-DE" sz="1100" dirty="0" smtClean="0"/>
               <a:t>.</a:t>
             </a:r>
           </a:p>
